--- a/文档/10.项目答辩.pptx
+++ b/文档/10.项目答辩.pptx
@@ -11,8 +11,10 @@
     <p:sldId id="257" r:id="rId5"/>
     <p:sldId id="260" r:id="rId6"/>
     <p:sldId id="261" r:id="rId7"/>
-    <p:sldId id="262" r:id="rId8"/>
+    <p:sldId id="264" r:id="rId8"/>
     <p:sldId id="263" r:id="rId9"/>
+    <p:sldId id="265" r:id="rId10"/>
+    <p:sldId id="266" r:id="rId11"/>
   </p:sldIdLst>
   <p:sldSz cx="12192000" cy="6858000"/>
   <p:notesSz cx="6858000" cy="9144000"/>
@@ -5918,6 +5920,74 @@
 </p:sld>
 </file>
 
+<file path=ppt/slides/slide10.xml><?xml version="1.0" encoding="utf-8"?>
+<p:sld xmlns:a="http://schemas.openxmlformats.org/drawingml/2006/main" xmlns:r="http://schemas.openxmlformats.org/officeDocument/2006/relationships" xmlns:p="http://schemas.openxmlformats.org/presentationml/2006/main">
+  <p:cSld>
+    <p:spTree>
+      <p:nvGrpSpPr>
+        <p:cNvPr id="1" name=""/>
+        <p:cNvGrpSpPr/>
+        <p:nvPr/>
+      </p:nvGrpSpPr>
+      <p:grpSpPr>
+        <a:xfrm>
+          <a:off x="0" y="0"/>
+          <a:ext cx="0" cy="0"/>
+          <a:chOff x="0" y="0"/>
+          <a:chExt cx="0" cy="0"/>
+        </a:xfrm>
+      </p:grpSpPr>
+      <p:sp>
+        <p:nvSpPr>
+          <p:cNvPr id="2" name="标题 1">
+            <a:extLst>
+              <a:ext uri="{FF2B5EF4-FFF2-40B4-BE49-F238E27FC236}">
+                <a16:creationId xmlns:a16="http://schemas.microsoft.com/office/drawing/2014/main" id="{7515D821-9627-DB3C-8B38-93BEE37CCDD5}"/>
+              </a:ext>
+            </a:extLst>
+          </p:cNvPr>
+          <p:cNvSpPr>
+            <a:spLocks noGrp="1"/>
+          </p:cNvSpPr>
+          <p:nvPr>
+            <p:ph type="title"/>
+          </p:nvPr>
+        </p:nvSpPr>
+        <p:spPr>
+          <a:xfrm>
+            <a:off x="5505860" y="3088762"/>
+            <a:ext cx="1180280" cy="680475"/>
+          </a:xfrm>
+        </p:spPr>
+        <p:txBody>
+          <a:bodyPr>
+            <a:normAutofit fontScale="90000"/>
+          </a:bodyPr>
+          <a:lstStyle/>
+          <a:p>
+            <a:r>
+              <a:rPr lang="zh-CN" altLang="en-US" sz="4000" b="1" dirty="0">
+                <a:latin typeface="宋体" panose="02010600030101010101" pitchFamily="2" charset="-122"/>
+                <a:ea typeface="宋体" panose="02010600030101010101" pitchFamily="2" charset="-122"/>
+              </a:rPr>
+              <a:t>总结</a:t>
+            </a:r>
+          </a:p>
+        </p:txBody>
+      </p:sp>
+    </p:spTree>
+    <p:extLst>
+      <p:ext uri="{BB962C8B-B14F-4D97-AF65-F5344CB8AC3E}">
+        <p14:creationId xmlns:p14="http://schemas.microsoft.com/office/powerpoint/2010/main" val="873407938"/>
+      </p:ext>
+    </p:extLst>
+  </p:cSld>
+  <p:clrMapOvr>
+    <a:masterClrMapping/>
+  </p:clrMapOvr>
+</p:sld>
+</file>
+
 <file path=ppt/slides/slide2.xml><?xml version="1.0" encoding="utf-8"?>
 <p:sld xmlns:a="http://schemas.openxmlformats.org/drawingml/2006/main" xmlns:r="http://schemas.openxmlformats.org/officeDocument/2006/relationships" xmlns:p="http://schemas.openxmlformats.org/presentationml/2006/main">
   <p:cSld>
@@ -6422,13 +6492,13 @@
         </p:nvSpPr>
         <p:spPr>
           <a:xfrm>
-            <a:off x="5058287" y="3088762"/>
-            <a:ext cx="2075425" cy="680475"/>
+            <a:off x="4638163" y="3088762"/>
+            <a:ext cx="2915674" cy="680475"/>
           </a:xfrm>
         </p:spPr>
         <p:txBody>
           <a:bodyPr>
-            <a:normAutofit/>
+            <a:normAutofit fontScale="90000"/>
           </a:bodyPr>
           <a:lstStyle/>
           <a:p>
@@ -6437,7 +6507,7 @@
                 <a:latin typeface="宋体" panose="02010600030101010101" pitchFamily="2" charset="-122"/>
                 <a:ea typeface="宋体" panose="02010600030101010101" pitchFamily="2" charset="-122"/>
               </a:rPr>
-              <a:t>效果演示</a:t>
+              <a:t>网页效果演示</a:t>
             </a:r>
             <a:endParaRPr lang="zh-CN" altLang="en-US" sz="4000" b="1" dirty="0">
               <a:latin typeface="宋体" panose="02010600030101010101" pitchFamily="2" charset="-122"/>
@@ -6478,10 +6548,38 @@
       </p:grpSpPr>
       <p:sp>
         <p:nvSpPr>
+          <p:cNvPr id="2" name="标题 1">
+            <a:extLst>
+              <a:ext uri="{FF2B5EF4-FFF2-40B4-BE49-F238E27FC236}">
+                <a16:creationId xmlns:a16="http://schemas.microsoft.com/office/drawing/2014/main" id="{26E7053E-36A4-ACD1-9874-2E13D3B9D6F9}"/>
+              </a:ext>
+            </a:extLst>
+          </p:cNvPr>
+          <p:cNvSpPr>
+            <a:spLocks noGrp="1"/>
+          </p:cNvSpPr>
+          <p:nvPr>
+            <p:ph type="title"/>
+          </p:nvPr>
+        </p:nvSpPr>
+        <p:spPr/>
+        <p:txBody>
+          <a:bodyPr/>
+          <a:lstStyle/>
+          <a:p>
+            <a:r>
+              <a:rPr lang="zh-CN" altLang="en-US" dirty="0"/>
+              <a:t>实际成果</a:t>
+            </a:r>
+          </a:p>
+        </p:txBody>
+      </p:sp>
+      <p:sp>
+        <p:nvSpPr>
           <p:cNvPr id="3" name="内容占位符 2">
             <a:extLst>
               <a:ext uri="{FF2B5EF4-FFF2-40B4-BE49-F238E27FC236}">
-                <a16:creationId xmlns:a16="http://schemas.microsoft.com/office/drawing/2014/main" id="{D3FF46DD-DDB0-89D9-9FD8-504725883D3F}"/>
+                <a16:creationId xmlns:a16="http://schemas.microsoft.com/office/drawing/2014/main" id="{094C35CE-85AE-C9EC-5191-B025810CBEFC}"/>
               </a:ext>
             </a:extLst>
           </p:cNvPr>
@@ -6492,24 +6590,27 @@
             <p:ph idx="1"/>
           </p:nvPr>
         </p:nvSpPr>
-        <p:spPr>
-          <a:xfrm>
-            <a:off x="982134" y="1488613"/>
-            <a:ext cx="8596668" cy="3880773"/>
-          </a:xfrm>
-        </p:spPr>
-        <p:txBody>
-          <a:bodyPr/>
-          <a:lstStyle/>
-          <a:p>
-            <a:endParaRPr lang="zh-CN" altLang="en-US" dirty="0"/>
+        <p:spPr/>
+        <p:txBody>
+          <a:bodyPr>
+            <a:normAutofit/>
+          </a:bodyPr>
+          <a:lstStyle/>
+          <a:p>
+            <a:r>
+              <a:rPr lang="en-US" altLang="zh-CN" sz="3200" dirty="0">
+                <a:hlinkClick r:id="rId2"/>
+              </a:rPr>
+              <a:t>https://xafood.wangminan.me/</a:t>
+            </a:r>
+            <a:endParaRPr lang="zh-CN" altLang="en-US" sz="3200" dirty="0"/>
           </a:p>
         </p:txBody>
       </p:sp>
     </p:spTree>
     <p:extLst>
       <p:ext uri="{BB962C8B-B14F-4D97-AF65-F5344CB8AC3E}">
-        <p14:creationId xmlns:p14="http://schemas.microsoft.com/office/powerpoint/2010/main" val="651751387"/>
+        <p14:creationId xmlns:p14="http://schemas.microsoft.com/office/powerpoint/2010/main" val="3806979071"/>
       </p:ext>
     </p:extLst>
   </p:cSld>
@@ -6569,7 +6670,7 @@
                 <a:latin typeface="宋体" panose="02010600030101010101" pitchFamily="2" charset="-122"/>
                 <a:ea typeface="宋体" panose="02010600030101010101" pitchFamily="2" charset="-122"/>
               </a:rPr>
-              <a:t>实现过程展示</a:t>
+              <a:t>实现过程介绍</a:t>
             </a:r>
             <a:endParaRPr lang="zh-CN" altLang="en-US" sz="4000" b="1" dirty="0">
               <a:latin typeface="宋体" panose="02010600030101010101" pitchFamily="2" charset="-122"/>
@@ -6582,6 +6683,187 @@
     <p:extLst>
       <p:ext uri="{BB962C8B-B14F-4D97-AF65-F5344CB8AC3E}">
         <p14:creationId xmlns:p14="http://schemas.microsoft.com/office/powerpoint/2010/main" val="18630418"/>
+      </p:ext>
+    </p:extLst>
+  </p:cSld>
+  <p:clrMapOvr>
+    <a:masterClrMapping/>
+  </p:clrMapOvr>
+</p:sld>
+</file>
+
+<file path=ppt/slides/slide9.xml><?xml version="1.0" encoding="utf-8"?>
+<p:sld xmlns:a="http://schemas.openxmlformats.org/drawingml/2006/main" xmlns:r="http://schemas.openxmlformats.org/officeDocument/2006/relationships" xmlns:p="http://schemas.openxmlformats.org/presentationml/2006/main">
+  <p:cSld>
+    <p:spTree>
+      <p:nvGrpSpPr>
+        <p:cNvPr id="1" name=""/>
+        <p:cNvGrpSpPr/>
+        <p:nvPr/>
+      </p:nvGrpSpPr>
+      <p:grpSpPr>
+        <a:xfrm>
+          <a:off x="0" y="0"/>
+          <a:ext cx="0" cy="0"/>
+          <a:chOff x="0" y="0"/>
+          <a:chExt cx="0" cy="0"/>
+        </a:xfrm>
+      </p:grpSpPr>
+      <p:sp>
+        <p:nvSpPr>
+          <p:cNvPr id="2" name="标题 1">
+            <a:extLst>
+              <a:ext uri="{FF2B5EF4-FFF2-40B4-BE49-F238E27FC236}">
+                <a16:creationId xmlns:a16="http://schemas.microsoft.com/office/drawing/2014/main" id="{26E7053E-36A4-ACD1-9874-2E13D3B9D6F9}"/>
+              </a:ext>
+            </a:extLst>
+          </p:cNvPr>
+          <p:cNvSpPr>
+            <a:spLocks noGrp="1"/>
+          </p:cNvSpPr>
+          <p:nvPr>
+            <p:ph type="title"/>
+          </p:nvPr>
+        </p:nvSpPr>
+        <p:spPr/>
+        <p:txBody>
+          <a:bodyPr/>
+          <a:lstStyle/>
+          <a:p>
+            <a:r>
+              <a:rPr lang="zh-CN" altLang="en-US" dirty="0"/>
+              <a:t>实现过程介绍</a:t>
+            </a:r>
+          </a:p>
+        </p:txBody>
+      </p:sp>
+      <p:sp>
+        <p:nvSpPr>
+          <p:cNvPr id="3" name="内容占位符 2">
+            <a:extLst>
+              <a:ext uri="{FF2B5EF4-FFF2-40B4-BE49-F238E27FC236}">
+                <a16:creationId xmlns:a16="http://schemas.microsoft.com/office/drawing/2014/main" id="{094C35CE-85AE-C9EC-5191-B025810CBEFC}"/>
+              </a:ext>
+            </a:extLst>
+          </p:cNvPr>
+          <p:cNvSpPr>
+            <a:spLocks noGrp="1"/>
+          </p:cNvSpPr>
+          <p:nvPr>
+            <p:ph idx="1"/>
+          </p:nvPr>
+        </p:nvSpPr>
+        <p:spPr/>
+        <p:txBody>
+          <a:bodyPr>
+            <a:normAutofit lnSpcReduction="10000"/>
+          </a:bodyPr>
+          <a:lstStyle/>
+          <a:p>
+            <a:r>
+              <a:rPr lang="en-US" altLang="zh-CN" sz="3200" dirty="0">
+                <a:hlinkClick r:id="rId2"/>
+              </a:rPr>
+              <a:t>..\</a:t>
+            </a:r>
+            <a:r>
+              <a:rPr lang="zh-CN" altLang="en-US" sz="3200" dirty="0">
+                <a:hlinkClick r:id="rId2"/>
+              </a:rPr>
+              <a:t>爬虫和数据</a:t>
+            </a:r>
+            <a:endParaRPr lang="en-US" altLang="zh-CN" sz="3200" dirty="0"/>
+          </a:p>
+          <a:p>
+            <a:r>
+              <a:rPr lang="en-US" altLang="zh-CN" sz="3200" dirty="0">
+                <a:hlinkClick r:id="rId3" action="ppaction://hlinkfile"/>
+              </a:rPr>
+              <a:t>..\</a:t>
+            </a:r>
+            <a:r>
+              <a:rPr lang="en-US" altLang="zh-CN" sz="3200" dirty="0" err="1">
+                <a:hlinkClick r:id="rId3" action="ppaction://hlinkfile"/>
+              </a:rPr>
+              <a:t>meituan_server</a:t>
+            </a:r>
+            <a:endParaRPr lang="en-US" altLang="zh-CN" sz="3200" dirty="0"/>
+          </a:p>
+          <a:p>
+            <a:r>
+              <a:rPr lang="en-US" altLang="zh-CN" sz="3200" dirty="0">
+                <a:hlinkClick r:id="rId4" action="ppaction://hlinkfile"/>
+              </a:rPr>
+              <a:t>..\food</a:t>
+            </a:r>
+            <a:endParaRPr lang="en-US" altLang="zh-CN" sz="3200" dirty="0"/>
+          </a:p>
+          <a:p>
+            <a:r>
+              <a:rPr lang="en-US" altLang="zh-CN" sz="3200" dirty="0">
+                <a:hlinkClick r:id="rId5"/>
+              </a:rPr>
+              <a:t>https://sonar.wangminan.me/</a:t>
+            </a:r>
+            <a:endParaRPr lang="en-US" altLang="zh-CN" sz="3200" dirty="0"/>
+          </a:p>
+          <a:p>
+            <a:r>
+              <a:rPr lang="en-US" altLang="zh-CN" sz="3200" dirty="0" err="1">
+                <a:hlinkClick r:id="rId2"/>
+              </a:rPr>
+              <a:t>WangMinan</a:t>
+            </a:r>
+            <a:r>
+              <a:rPr lang="en-US" altLang="zh-CN" sz="3200" dirty="0">
+                <a:hlinkClick r:id="rId2"/>
+              </a:rPr>
+              <a:t>/</a:t>
+            </a:r>
+            <a:r>
+              <a:rPr lang="en-US" altLang="zh-CN" sz="3200" dirty="0" err="1">
+                <a:hlinkClick r:id="rId2"/>
+              </a:rPr>
+              <a:t>bigdata_practice</a:t>
+            </a:r>
+            <a:r>
+              <a:rPr lang="en-US" altLang="zh-CN" sz="3200" dirty="0">
+                <a:hlinkClick r:id="rId2"/>
+              </a:rPr>
+              <a:t>: 2023NPU</a:t>
+            </a:r>
+            <a:r>
+              <a:rPr lang="zh-CN" altLang="en-US" sz="3200" dirty="0">
+                <a:hlinkClick r:id="rId2"/>
+              </a:rPr>
+              <a:t>软件大数据实习</a:t>
+            </a:r>
+            <a:r>
+              <a:rPr lang="en-US" altLang="zh-CN" sz="3200" dirty="0">
+                <a:hlinkClick r:id="rId2"/>
+              </a:rPr>
+              <a:t>-</a:t>
+            </a:r>
+            <a:r>
+              <a:rPr lang="zh-CN" altLang="en-US" sz="3200" dirty="0">
+                <a:hlinkClick r:id="rId2"/>
+              </a:rPr>
+              <a:t>西安美团美食大数据分析 </a:t>
+            </a:r>
+            <a:r>
+              <a:rPr lang="en-US" altLang="zh-CN" sz="3200" dirty="0">
+                <a:hlinkClick r:id="rId2"/>
+              </a:rPr>
+              <a:t>(github.com)</a:t>
+            </a:r>
+            <a:endParaRPr lang="zh-CN" altLang="en-US" sz="3200" dirty="0"/>
+          </a:p>
+        </p:txBody>
+      </p:sp>
+    </p:spTree>
+    <p:extLst>
+      <p:ext uri="{BB962C8B-B14F-4D97-AF65-F5344CB8AC3E}">
+        <p14:creationId xmlns:p14="http://schemas.microsoft.com/office/powerpoint/2010/main" val="2930784272"/>
       </p:ext>
     </p:extLst>
   </p:cSld>
